--- a/Week 4/Challenge/MCR2_Mini_Challenge.pptx
+++ b/Week 4/Challenge/MCR2_Mini_Challenge.pptx
@@ -15676,7 +15676,7 @@
             </a:pPr>
             <a:r>
               <a:rPr lang="en-GB" sz="1000" dirty="0"/>
-              <a:t>The user selects the speed or the time to finish the path (square figure) and the controller must estimate either the velocities, acceleration or time required.</a:t>
+              <a:t>The user selects the robot's speed for the path (square figure), and the controller must estimate the time required for each movement.</a:t>
             </a:r>
           </a:p>
           <a:p>
@@ -15687,7 +15687,7 @@
             </a:pPr>
             <a:r>
               <a:rPr lang="en-GB" sz="1100" dirty="0"/>
-              <a:t>The controller must take into consideration, perturbation, nonlinearities and noise.</a:t>
+              <a:t>The controller must take perturbation, nonlinearities, and noise into consideration.</a:t>
             </a:r>
           </a:p>
           <a:p>
